--- a/Doc/Presentation/センサ端末プログラム作成.pptx
+++ b/Doc/Presentation/センサ端末プログラム作成.pptx
@@ -165,8 +165,7 @@
 <file path=ppt/revisionInfo.xml><?xml version="1.0" encoding="utf-8"?>
 <p1510:revInfo xmlns:a="http://schemas.openxmlformats.org/drawingml/2006/main" xmlns:r="http://schemas.openxmlformats.org/officeDocument/2006/relationships" xmlns:p1510="http://schemas.microsoft.com/office/powerpoint/2015/10/main">
   <p1510:revLst>
-    <p1510:client id="{99540704-64AD-46B7-92B5-CF93B3BE39AA}" v="60" dt="2024-02-02T03:27:25.121"/>
-    <p1510:client id="{D18BB6D9-467E-48ED-AB0E-5A0D1DB50A98}" v="110" dt="2024-02-02T05:41:19.297"/>
+    <p1510:client id="{D18BB6D9-467E-48ED-AB0E-5A0D1DB50A98}" v="116" dt="2024-02-05T01:07:33.300"/>
   </p1510:revLst>
 </p1510:revInfo>
 </file>
@@ -1612,18 +1611,18 @@
   <pc:docChgLst>
     <pc:chgData name="り ぶ" userId="e79b0678f96bfbc0" providerId="LiveId" clId="{D18BB6D9-467E-48ED-AB0E-5A0D1DB50A98}"/>
     <pc:docChg chg="undo custSel addSld delSld modSld sldOrd">
-      <pc:chgData name="り ぶ" userId="e79b0678f96bfbc0" providerId="LiveId" clId="{D18BB6D9-467E-48ED-AB0E-5A0D1DB50A98}" dt="2024-02-02T05:42:37.213" v="1242" actId="20577"/>
+      <pc:chgData name="り ぶ" userId="e79b0678f96bfbc0" providerId="LiveId" clId="{D18BB6D9-467E-48ED-AB0E-5A0D1DB50A98}" dt="2024-02-05T01:07:33.286" v="1328"/>
       <pc:docMkLst>
         <pc:docMk/>
       </pc:docMkLst>
       <pc:sldChg chg="modSp mod">
-        <pc:chgData name="り ぶ" userId="e79b0678f96bfbc0" providerId="LiveId" clId="{D18BB6D9-467E-48ED-AB0E-5A0D1DB50A98}" dt="2024-02-02T05:42:37.213" v="1242" actId="20577"/>
+        <pc:chgData name="り ぶ" userId="e79b0678f96bfbc0" providerId="LiveId" clId="{D18BB6D9-467E-48ED-AB0E-5A0D1DB50A98}" dt="2024-02-05T01:07:33.286" v="1328"/>
         <pc:sldMkLst>
           <pc:docMk/>
           <pc:sldMk cId="3770236491" sldId="380"/>
         </pc:sldMkLst>
         <pc:spChg chg="mod">
-          <ac:chgData name="り ぶ" userId="e79b0678f96bfbc0" providerId="LiveId" clId="{D18BB6D9-467E-48ED-AB0E-5A0D1DB50A98}" dt="2024-02-02T05:42:37.213" v="1242" actId="20577"/>
+          <ac:chgData name="り ぶ" userId="e79b0678f96bfbc0" providerId="LiveId" clId="{D18BB6D9-467E-48ED-AB0E-5A0D1DB50A98}" dt="2024-02-05T01:07:33.286" v="1328"/>
           <ac:spMkLst>
             <pc:docMk/>
             <pc:sldMk cId="3770236491" sldId="380"/>
@@ -1659,12 +1658,20 @@
           <pc:sldMk cId="2803378345" sldId="384"/>
         </pc:sldMkLst>
       </pc:sldChg>
-      <pc:sldChg chg="modSp mod">
-        <pc:chgData name="り ぶ" userId="e79b0678f96bfbc0" providerId="LiveId" clId="{D18BB6D9-467E-48ED-AB0E-5A0D1DB50A98}" dt="2024-02-02T04:49:39.358" v="301" actId="1076"/>
+      <pc:sldChg chg="modSp mod ord">
+        <pc:chgData name="り ぶ" userId="e79b0678f96bfbc0" providerId="LiveId" clId="{D18BB6D9-467E-48ED-AB0E-5A0D1DB50A98}" dt="2024-02-05T01:06:33.069" v="1274"/>
         <pc:sldMkLst>
           <pc:docMk/>
           <pc:sldMk cId="3765560559" sldId="385"/>
         </pc:sldMkLst>
+        <pc:spChg chg="mod">
+          <ac:chgData name="り ぶ" userId="e79b0678f96bfbc0" providerId="LiveId" clId="{D18BB6D9-467E-48ED-AB0E-5A0D1DB50A98}" dt="2024-02-05T01:06:33.069" v="1274"/>
+          <ac:spMkLst>
+            <pc:docMk/>
+            <pc:sldMk cId="3765560559" sldId="385"/>
+            <ac:spMk id="2" creationId="{1CFA551F-F79B-B983-79B0-A43DD6D39EE2}"/>
+          </ac:spMkLst>
+        </pc:spChg>
         <pc:spChg chg="mod">
           <ac:chgData name="り ぶ" userId="e79b0678f96bfbc0" providerId="LiveId" clId="{D18BB6D9-467E-48ED-AB0E-5A0D1DB50A98}" dt="2024-02-02T04:49:39.358" v="301" actId="1076"/>
           <ac:spMkLst>
@@ -2135,14 +2142,14 @@
           </ac:picMkLst>
         </pc:picChg>
       </pc:sldChg>
-      <pc:sldChg chg="modSp new mod">
-        <pc:chgData name="り ぶ" userId="e79b0678f96bfbc0" providerId="LiveId" clId="{D18BB6D9-467E-48ED-AB0E-5A0D1DB50A98}" dt="2024-02-02T04:55:54.013" v="444"/>
+      <pc:sldChg chg="modSp new mod ord">
+        <pc:chgData name="り ぶ" userId="e79b0678f96bfbc0" providerId="LiveId" clId="{D18BB6D9-467E-48ED-AB0E-5A0D1DB50A98}" dt="2024-02-05T01:07:20.936" v="1288"/>
         <pc:sldMkLst>
           <pc:docMk/>
           <pc:sldMk cId="2719838958" sldId="408"/>
         </pc:sldMkLst>
         <pc:spChg chg="mod">
-          <ac:chgData name="り ぶ" userId="e79b0678f96bfbc0" providerId="LiveId" clId="{D18BB6D9-467E-48ED-AB0E-5A0D1DB50A98}" dt="2024-02-02T04:55:54.013" v="444"/>
+          <ac:chgData name="り ぶ" userId="e79b0678f96bfbc0" providerId="LiveId" clId="{D18BB6D9-467E-48ED-AB0E-5A0D1DB50A98}" dt="2024-02-05T01:07:20.936" v="1288"/>
           <ac:spMkLst>
             <pc:docMk/>
             <pc:sldMk cId="2719838958" sldId="408"/>
@@ -2868,7 +2875,7 @@
           <a:p>
             <a:fld id="{389ACFA8-1AB5-47AD-8712-789ED582E266}" type="datetimeFigureOut">
               <a:rPr kumimoji="1" lang="ja-JP" altLang="en-US" smtClean="0"/>
-              <a:t>2024/2/2</a:t>
+              <a:t>2024/2/5</a:t>
             </a:fld>
             <a:endParaRPr kumimoji="1" lang="ja-JP" altLang="en-US"/>
           </a:p>
@@ -2997,7 +3004,7 @@
             <a:fld id="{49E156C8-D1E6-4437-B817-0C57EC289493}" type="datetimeFigureOut">
               <a:rPr kumimoji="1" lang="ja-JP" altLang="en-US" smtClean="0"/>
               <a:pPr/>
-              <a:t>2024/2/2</a:t>
+              <a:t>2024/2/5</a:t>
             </a:fld>
             <a:endParaRPr kumimoji="1" lang="ja-JP" altLang="en-US"/>
           </a:p>
@@ -5809,13 +5816,8 @@
             <a:pPr algn="l"/>
             <a:r>
               <a:rPr kumimoji="1" lang="ja-JP" altLang="en-US" dirty="0"/>
-              <a:t>センサ</a:t>
-            </a:r>
-            <a:r>
-              <a:rPr kumimoji="1" lang="ja-JP" altLang="en-US"/>
-              <a:t>端末プログラム生成</a:t>
-            </a:r>
-            <a:endParaRPr kumimoji="1" lang="ja-JP" altLang="en-US" dirty="0"/>
+              <a:t>センサ端末プログラムの作成と動作確認</a:t>
+            </a:r>
           </a:p>
         </p:txBody>
       </p:sp>
@@ -6675,8 +6677,13 @@
             </a:r>
             <a:r>
               <a:rPr kumimoji="1" lang="ja-JP" altLang="en-US" dirty="0"/>
-              <a:t>用スケッチの生成</a:t>
-            </a:r>
+              <a:t>用スケッチの</a:t>
+            </a:r>
+            <a:r>
+              <a:rPr lang="ja-JP" altLang="en-US" dirty="0"/>
+              <a:t>作成</a:t>
+            </a:r>
+            <a:endParaRPr kumimoji="1" lang="ja-JP" altLang="en-US" dirty="0"/>
           </a:p>
         </p:txBody>
       </p:sp>
@@ -6758,7 +6765,7 @@
           <a:p>
             <a:r>
               <a:rPr kumimoji="1" lang="ja-JP" altLang="en-US" dirty="0"/>
-              <a:t>センサ端末プログラム自動生成環境</a:t>
+              <a:t>センサ端末プログラム作成の流れ</a:t>
             </a:r>
           </a:p>
         </p:txBody>

--- a/Doc/Presentation/センサ端末プログラム作成.pptx
+++ b/Doc/Presentation/センサ端末プログラム作成.pptx
@@ -13,7 +13,7 @@
   <p:sldIdLst>
     <p:sldId id="380" r:id="rId2"/>
     <p:sldId id="408" r:id="rId3"/>
-    <p:sldId id="385" r:id="rId4"/>
+    <p:sldId id="415" r:id="rId4"/>
     <p:sldId id="402" r:id="rId5"/>
     <p:sldId id="411" r:id="rId6"/>
     <p:sldId id="405" r:id="rId7"/>
@@ -165,7 +165,7 @@
 <file path=ppt/revisionInfo.xml><?xml version="1.0" encoding="utf-8"?>
 <p1510:revInfo xmlns:a="http://schemas.openxmlformats.org/drawingml/2006/main" xmlns:r="http://schemas.openxmlformats.org/officeDocument/2006/relationships" xmlns:p1510="http://schemas.microsoft.com/office/powerpoint/2015/10/main">
   <p1510:revLst>
-    <p1510:client id="{D18BB6D9-467E-48ED-AB0E-5A0D1DB50A98}" v="116" dt="2024-02-05T01:07:33.300"/>
+    <p1510:client id="{F6EB4510-0379-4A52-BB2D-B1044433B8B4}" v="1" dt="2024-04-03T05:29:56.492"/>
   </p1510:revLst>
 </p1510:revInfo>
 </file>
@@ -1605,6 +1605,36 @@
             <ac:spMk id="3" creationId="{E2605F6E-45C9-177C-924C-370CBEDC1D39}"/>
           </ac:spMkLst>
         </pc:spChg>
+      </pc:sldChg>
+    </pc:docChg>
+  </pc:docChgLst>
+  <pc:docChgLst>
+    <pc:chgData name="り ぶ" userId="e79b0678f96bfbc0" providerId="LiveId" clId="{F6EB4510-0379-4A52-BB2D-B1044433B8B4}"/>
+    <pc:docChg chg="addSld delSld modSld sldOrd">
+      <pc:chgData name="り ぶ" userId="e79b0678f96bfbc0" providerId="LiveId" clId="{F6EB4510-0379-4A52-BB2D-B1044433B8B4}" dt="2024-04-16T09:05:59.874" v="5"/>
+      <pc:docMkLst>
+        <pc:docMk/>
+      </pc:docMkLst>
+      <pc:sldChg chg="del">
+        <pc:chgData name="り ぶ" userId="e79b0678f96bfbc0" providerId="LiveId" clId="{F6EB4510-0379-4A52-BB2D-B1044433B8B4}" dt="2024-04-03T05:29:58.892" v="1" actId="2696"/>
+        <pc:sldMkLst>
+          <pc:docMk/>
+          <pc:sldMk cId="3765560559" sldId="385"/>
+        </pc:sldMkLst>
+      </pc:sldChg>
+      <pc:sldChg chg="ord">
+        <pc:chgData name="り ぶ" userId="e79b0678f96bfbc0" providerId="LiveId" clId="{F6EB4510-0379-4A52-BB2D-B1044433B8B4}" dt="2024-04-16T09:05:59.874" v="5"/>
+        <pc:sldMkLst>
+          <pc:docMk/>
+          <pc:sldMk cId="2719838958" sldId="408"/>
+        </pc:sldMkLst>
+      </pc:sldChg>
+      <pc:sldChg chg="add">
+        <pc:chgData name="り ぶ" userId="e79b0678f96bfbc0" providerId="LiveId" clId="{F6EB4510-0379-4A52-BB2D-B1044433B8B4}" dt="2024-04-03T05:29:56.482" v="0"/>
+        <pc:sldMkLst>
+          <pc:docMk/>
+          <pc:sldMk cId="3679359922" sldId="415"/>
+        </pc:sldMkLst>
       </pc:sldChg>
     </pc:docChg>
   </pc:docChgLst>
@@ -2875,7 +2905,7 @@
           <a:p>
             <a:fld id="{389ACFA8-1AB5-47AD-8712-789ED582E266}" type="datetimeFigureOut">
               <a:rPr kumimoji="1" lang="ja-JP" altLang="en-US" smtClean="0"/>
-              <a:t>2024/2/5</a:t>
+              <a:t>2024/4/16</a:t>
             </a:fld>
             <a:endParaRPr kumimoji="1" lang="ja-JP" altLang="en-US"/>
           </a:p>
@@ -3004,7 +3034,7 @@
             <a:fld id="{49E156C8-D1E6-4437-B817-0C57EC289493}" type="datetimeFigureOut">
               <a:rPr kumimoji="1" lang="ja-JP" altLang="en-US" smtClean="0"/>
               <a:pPr/>
-              <a:t>2024/2/5</a:t>
+              <a:t>2024/4/16</a:t>
             </a:fld>
             <a:endParaRPr kumimoji="1" lang="ja-JP" altLang="en-US"/>
           </a:p>
@@ -6747,7 +6777,7 @@
           <p:cNvPr id="2" name="タイトル 1">
             <a:extLst>
               <a:ext uri="{FF2B5EF4-FFF2-40B4-BE49-F238E27FC236}">
-                <a16:creationId xmlns:a16="http://schemas.microsoft.com/office/drawing/2014/main" id="{1CFA551F-F79B-B983-79B0-A43DD6D39EE2}"/>
+                <a16:creationId xmlns:a16="http://schemas.microsoft.com/office/drawing/2014/main" id="{3266D467-78B5-C47F-15DF-78B52B60AD28}"/>
               </a:ext>
             </a:extLst>
           </p:cNvPr>
@@ -6765,17 +6795,47 @@
           <a:p>
             <a:r>
               <a:rPr kumimoji="1" lang="ja-JP" altLang="en-US" dirty="0"/>
-              <a:t>センサ端末プログラム作成の流れ</a:t>
+              <a:t>センサ端末プログラム自動生成環境</a:t>
             </a:r>
           </a:p>
         </p:txBody>
       </p:sp>
       <p:sp>
         <p:nvSpPr>
-          <p:cNvPr id="7" name="テキスト ボックス 6">
+          <p:cNvPr id="3" name="スライド番号プレースホルダー 2">
             <a:extLst>
               <a:ext uri="{FF2B5EF4-FFF2-40B4-BE49-F238E27FC236}">
-                <a16:creationId xmlns:a16="http://schemas.microsoft.com/office/drawing/2014/main" id="{53BA9243-DD56-0AC8-3125-9D4852B117AC}"/>
+                <a16:creationId xmlns:a16="http://schemas.microsoft.com/office/drawing/2014/main" id="{823BD019-8F1E-9462-8B0A-56CFF2BF0907}"/>
+              </a:ext>
+            </a:extLst>
+          </p:cNvPr>
+          <p:cNvSpPr>
+            <a:spLocks noGrp="1"/>
+          </p:cNvSpPr>
+          <p:nvPr>
+            <p:ph type="sldNum" sz="quarter" idx="4"/>
+          </p:nvPr>
+        </p:nvSpPr>
+        <p:spPr/>
+        <p:txBody>
+          <a:bodyPr/>
+          <a:lstStyle/>
+          <a:p>
+            <a:fld id="{4D029D89-7B63-4C94-AD4D-2E4D6BB83637}" type="slidenum">
+              <a:rPr kumimoji="1" lang="ja-JP" altLang="en-US" smtClean="0"/>
+              <a:pPr/>
+              <a:t>3</a:t>
+            </a:fld>
+            <a:endParaRPr kumimoji="1" lang="ja-JP" altLang="en-US" dirty="0"/>
+          </a:p>
+        </p:txBody>
+      </p:sp>
+      <p:sp>
+        <p:nvSpPr>
+          <p:cNvPr id="4" name="テキスト ボックス 3">
+            <a:extLst>
+              <a:ext uri="{FF2B5EF4-FFF2-40B4-BE49-F238E27FC236}">
+                <a16:creationId xmlns:a16="http://schemas.microsoft.com/office/drawing/2014/main" id="{5EE957F9-3149-AC74-CD22-E908F8205337}"/>
               </a:ext>
             </a:extLst>
           </p:cNvPr>
@@ -6784,7 +6844,7 @@
         </p:nvSpPr>
         <p:spPr>
           <a:xfrm>
-            <a:off x="1329569" y="961731"/>
+            <a:off x="234000" y="1943065"/>
             <a:ext cx="1569660" cy="276999"/>
           </a:xfrm>
           <a:prstGeom prst="rect">
@@ -6808,10 +6868,10 @@
       </p:sp>
       <p:pic>
         <p:nvPicPr>
-          <p:cNvPr id="1028" name="Picture 4">
+          <p:cNvPr id="5" name="Picture 4">
             <a:extLst>
               <a:ext uri="{FF2B5EF4-FFF2-40B4-BE49-F238E27FC236}">
-                <a16:creationId xmlns:a16="http://schemas.microsoft.com/office/drawing/2014/main" id="{F4E3AF50-04AE-30F5-FA91-53BBCABF015A}"/>
+                <a16:creationId xmlns:a16="http://schemas.microsoft.com/office/drawing/2014/main" id="{FCBEBC61-8FA4-4D8C-7B3A-9CC955F89968}"/>
               </a:ext>
             </a:extLst>
           </p:cNvPr>
@@ -6835,7 +6895,7 @@
         </p:blipFill>
         <p:spPr bwMode="auto">
           <a:xfrm>
-            <a:off x="125536" y="1408699"/>
+            <a:off x="1987283" y="1029030"/>
             <a:ext cx="799148" cy="741998"/>
           </a:xfrm>
           <a:prstGeom prst="rect">
@@ -6855,10 +6915,10 @@
       </p:pic>
       <p:sp>
         <p:nvSpPr>
-          <p:cNvPr id="8" name="矢印: 左右 7">
+          <p:cNvPr id="6" name="矢印: 左右 5">
             <a:extLst>
               <a:ext uri="{FF2B5EF4-FFF2-40B4-BE49-F238E27FC236}">
-                <a16:creationId xmlns:a16="http://schemas.microsoft.com/office/drawing/2014/main" id="{4760356E-AAC1-D6E7-8183-9E00773C412F}"/>
+                <a16:creationId xmlns:a16="http://schemas.microsoft.com/office/drawing/2014/main" id="{5A3B3F32-2BD1-5DF7-EE08-5AEFAA821AF1}"/>
               </a:ext>
             </a:extLst>
           </p:cNvPr>
@@ -6866,15 +6926,15 @@
           <p:nvPr/>
         </p:nvSpPr>
         <p:spPr>
-          <a:xfrm>
-            <a:off x="1009233" y="1767158"/>
-            <a:ext cx="344859" cy="156754"/>
+          <a:xfrm rot="8966633">
+            <a:off x="1130565" y="1538658"/>
+            <a:ext cx="803329" cy="208486"/>
           </a:xfrm>
           <a:prstGeom prst="leftRightArrow">
             <a:avLst/>
           </a:prstGeom>
           <a:solidFill>
-            <a:srgbClr val="FFFFE5"/>
+            <a:srgbClr val="FFFF00"/>
           </a:solidFill>
           <a:ln>
             <a:solidFill>
@@ -6915,10 +6975,10 @@
       </p:sp>
       <p:sp>
         <p:nvSpPr>
-          <p:cNvPr id="9" name="テキスト ボックス 8">
+          <p:cNvPr id="7" name="テキスト ボックス 6">
             <a:extLst>
               <a:ext uri="{FF2B5EF4-FFF2-40B4-BE49-F238E27FC236}">
-                <a16:creationId xmlns:a16="http://schemas.microsoft.com/office/drawing/2014/main" id="{7C5FCDEA-4C9D-F901-DFC3-2D46B744F81F}"/>
+                <a16:creationId xmlns:a16="http://schemas.microsoft.com/office/drawing/2014/main" id="{1AC3453F-47BB-068B-8772-4B7423BCB92A}"/>
               </a:ext>
             </a:extLst>
           </p:cNvPr>
@@ -6927,7 +6987,7 @@
         </p:nvSpPr>
         <p:spPr>
           <a:xfrm>
-            <a:off x="924684" y="1490159"/>
+            <a:off x="1169934" y="1341349"/>
             <a:ext cx="492443" cy="276999"/>
           </a:xfrm>
           <a:prstGeom prst="rect">
@@ -6943,7 +7003,11 @@
           <a:p>
             <a:pPr algn="l"/>
             <a:r>
-              <a:rPr kumimoji="1" lang="ja-JP" altLang="en-US" sz="1200" dirty="0"/>
+              <a:rPr kumimoji="1" lang="ja-JP" altLang="en-US" sz="1200" dirty="0">
+                <a:solidFill>
+                  <a:srgbClr val="FF0000"/>
+                </a:solidFill>
+              </a:rPr>
               <a:t>対話</a:t>
             </a:r>
           </a:p>
@@ -6951,10 +7015,10 @@
       </p:sp>
       <p:pic>
         <p:nvPicPr>
-          <p:cNvPr id="1030" name="Picture 6">
+          <p:cNvPr id="8" name="Picture 6">
             <a:extLst>
               <a:ext uri="{FF2B5EF4-FFF2-40B4-BE49-F238E27FC236}">
-                <a16:creationId xmlns:a16="http://schemas.microsoft.com/office/drawing/2014/main" id="{30FD992F-8A5B-9C07-5B71-24616C0872B6}"/>
+                <a16:creationId xmlns:a16="http://schemas.microsoft.com/office/drawing/2014/main" id="{3A7A4CF0-ADD3-E488-4E6D-9EFC542F2E2F}"/>
               </a:ext>
             </a:extLst>
           </p:cNvPr>
@@ -6978,54 +7042,7 @@
         </p:blipFill>
         <p:spPr bwMode="auto">
           <a:xfrm>
-            <a:off x="3138827" y="1954964"/>
-            <a:ext cx="380524" cy="318611"/>
-          </a:xfrm>
-          <a:prstGeom prst="rect">
-            <a:avLst/>
-          </a:prstGeom>
-          <a:noFill/>
-          <a:extLst>
-            <a:ext uri="{909E8E84-426E-40DD-AFC4-6F175D3DCCD1}">
-              <a14:hiddenFill xmlns:a14="http://schemas.microsoft.com/office/drawing/2010/main">
-                <a:solidFill>
-                  <a:srgbClr val="FFFFFF"/>
-                </a:solidFill>
-              </a14:hiddenFill>
-            </a:ext>
-          </a:extLst>
-        </p:spPr>
-      </p:pic>
-      <p:pic>
-        <p:nvPicPr>
-          <p:cNvPr id="14" name="Picture 6">
-            <a:extLst>
-              <a:ext uri="{FF2B5EF4-FFF2-40B4-BE49-F238E27FC236}">
-                <a16:creationId xmlns:a16="http://schemas.microsoft.com/office/drawing/2014/main" id="{9102D929-BDEF-2260-D6F3-A2703A7FC119}"/>
-              </a:ext>
-            </a:extLst>
-          </p:cNvPr>
-          <p:cNvPicPr>
-            <a:picLocks noChangeAspect="1" noChangeArrowheads="1"/>
-          </p:cNvPicPr>
-          <p:nvPr/>
-        </p:nvPicPr>
-        <p:blipFill>
-          <a:blip r:embed="rId3">
-            <a:extLst>
-              <a:ext uri="{28A0092B-C50C-407E-A947-70E740481C1C}">
-                <a14:useLocalDpi xmlns:a14="http://schemas.microsoft.com/office/drawing/2010/main" val="0"/>
-              </a:ext>
-            </a:extLst>
-          </a:blip>
-          <a:srcRect/>
-          <a:stretch>
-            <a:fillRect/>
-          </a:stretch>
-        </p:blipFill>
-        <p:spPr bwMode="auto">
-          <a:xfrm>
-            <a:off x="5931485" y="1924265"/>
+            <a:off x="2141892" y="2707651"/>
             <a:ext cx="380524" cy="318611"/>
           </a:xfrm>
           <a:prstGeom prst="rect">
@@ -7045,10 +7062,10 @@
       </p:pic>
       <p:sp>
         <p:nvSpPr>
-          <p:cNvPr id="16" name="テキスト ボックス 15">
+          <p:cNvPr id="9" name="テキスト ボックス 8">
             <a:extLst>
               <a:ext uri="{FF2B5EF4-FFF2-40B4-BE49-F238E27FC236}">
-                <a16:creationId xmlns:a16="http://schemas.microsoft.com/office/drawing/2014/main" id="{9D4F1557-A789-81C7-FB5A-3D6F9111FB0F}"/>
+                <a16:creationId xmlns:a16="http://schemas.microsoft.com/office/drawing/2014/main" id="{6F9411A4-5888-02E2-F818-82A92EFDC2CB}"/>
               </a:ext>
             </a:extLst>
           </p:cNvPr>
@@ -7057,51 +7074,7 @@
         </p:nvSpPr>
         <p:spPr>
           <a:xfrm>
-            <a:off x="5757372" y="2201878"/>
-            <a:ext cx="748923" cy="430887"/>
-          </a:xfrm>
-          <a:prstGeom prst="rect">
-            <a:avLst/>
-          </a:prstGeom>
-          <a:noFill/>
-        </p:spPr>
-        <p:txBody>
-          <a:bodyPr wrap="none" rtlCol="0">
-            <a:spAutoFit/>
-          </a:bodyPr>
-          <a:lstStyle/>
-          <a:p>
-            <a:pPr algn="ctr"/>
-            <a:r>
-              <a:rPr kumimoji="1" lang="ja-JP" altLang="en-US" sz="1100" dirty="0"/>
-              <a:t>仕様定義</a:t>
-            </a:r>
-            <a:endParaRPr kumimoji="1" lang="en-US" altLang="ja-JP" sz="1100" dirty="0"/>
-          </a:p>
-          <a:p>
-            <a:pPr algn="ctr"/>
-            <a:r>
-              <a:rPr kumimoji="1" lang="ja-JP" altLang="en-US" sz="1100" dirty="0"/>
-              <a:t>ファイル</a:t>
-            </a:r>
-          </a:p>
-        </p:txBody>
-      </p:sp>
-      <p:sp>
-        <p:nvSpPr>
-          <p:cNvPr id="18" name="テキスト ボックス 17">
-            <a:extLst>
-              <a:ext uri="{FF2B5EF4-FFF2-40B4-BE49-F238E27FC236}">
-                <a16:creationId xmlns:a16="http://schemas.microsoft.com/office/drawing/2014/main" id="{D6747CBE-FF38-23DB-69F7-62D02ACA68A3}"/>
-              </a:ext>
-            </a:extLst>
-          </p:cNvPr>
-          <p:cNvSpPr txBox="1"/>
-          <p:nvPr/>
-        </p:nvSpPr>
-        <p:spPr>
-          <a:xfrm>
-            <a:off x="3970651" y="915988"/>
+            <a:off x="2856325" y="1892840"/>
             <a:ext cx="1569660" cy="276999"/>
           </a:xfrm>
           <a:prstGeom prst="rect">
@@ -7125,10 +7098,10 @@
       </p:sp>
       <p:sp>
         <p:nvSpPr>
-          <p:cNvPr id="20" name="テキスト ボックス 19">
+          <p:cNvPr id="10" name="テキスト ボックス 9">
             <a:extLst>
               <a:ext uri="{FF2B5EF4-FFF2-40B4-BE49-F238E27FC236}">
-                <a16:creationId xmlns:a16="http://schemas.microsoft.com/office/drawing/2014/main" id="{E4F9C5CF-A4FD-37AF-7788-D87D17C9D8CC}"/>
+                <a16:creationId xmlns:a16="http://schemas.microsoft.com/office/drawing/2014/main" id="{B656AC2C-10C8-C9D4-1E92-651655A69630}"/>
               </a:ext>
             </a:extLst>
           </p:cNvPr>
@@ -7137,8 +7110,8 @@
         </p:nvSpPr>
         <p:spPr>
           <a:xfrm>
-            <a:off x="-3276" y="976009"/>
-            <a:ext cx="954107" cy="461665"/>
+            <a:off x="1636538" y="786616"/>
+            <a:ext cx="1415773" cy="276999"/>
           </a:xfrm>
           <a:prstGeom prst="rect">
             <a:avLst/>
@@ -7154,72 +7127,47 @@
             <a:pPr algn="ctr"/>
             <a:r>
               <a:rPr kumimoji="1" lang="ja-JP" altLang="en-US" sz="1200" dirty="0"/>
-              <a:t>センサ端末</a:t>
-            </a:r>
-            <a:endParaRPr kumimoji="1" lang="en-US" altLang="ja-JP" sz="1200" dirty="0"/>
-          </a:p>
-          <a:p>
-            <a:pPr algn="ctr"/>
-            <a:r>
-              <a:rPr kumimoji="1" lang="ja-JP" altLang="en-US" sz="1200" dirty="0"/>
-              <a:t>開発者</a:t>
+              <a:t>センサ端末開発者</a:t>
             </a:r>
           </a:p>
         </p:txBody>
       </p:sp>
       <p:pic>
         <p:nvPicPr>
-          <p:cNvPr id="21" name="Picture 4">
+          <p:cNvPr id="11" name="図 10">
             <a:extLst>
               <a:ext uri="{FF2B5EF4-FFF2-40B4-BE49-F238E27FC236}">
-                <a16:creationId xmlns:a16="http://schemas.microsoft.com/office/drawing/2014/main" id="{5BE3339E-AF5A-9821-0EB5-34C4E0A022F7}"/>
+                <a16:creationId xmlns:a16="http://schemas.microsoft.com/office/drawing/2014/main" id="{2EBF4888-3611-18AB-0B2E-ACFFEB5B281A}"/>
               </a:ext>
             </a:extLst>
           </p:cNvPr>
           <p:cNvPicPr>
-            <a:picLocks noChangeAspect="1" noChangeArrowheads="1"/>
+            <a:picLocks noChangeAspect="1"/>
           </p:cNvPicPr>
           <p:nvPr/>
         </p:nvPicPr>
         <p:blipFill>
-          <a:blip r:embed="rId2">
-            <a:extLst>
-              <a:ext uri="{28A0092B-C50C-407E-A947-70E740481C1C}">
-                <a14:useLocalDpi xmlns:a14="http://schemas.microsoft.com/office/drawing/2010/main" val="0"/>
-              </a:ext>
-            </a:extLst>
-          </a:blip>
-          <a:srcRect/>
+          <a:blip r:embed="rId4"/>
           <a:stretch>
             <a:fillRect/>
           </a:stretch>
         </p:blipFill>
-        <p:spPr bwMode="auto">
+        <p:spPr>
           <a:xfrm>
-            <a:off x="6791990" y="941971"/>
-            <a:ext cx="799148" cy="741998"/>
+            <a:off x="496155" y="2153926"/>
+            <a:ext cx="1191300" cy="1365287"/>
           </a:xfrm>
           <a:prstGeom prst="rect">
             <a:avLst/>
           </a:prstGeom>
-          <a:noFill/>
-          <a:extLst>
-            <a:ext uri="{909E8E84-426E-40DD-AFC4-6F175D3DCCD1}">
-              <a14:hiddenFill xmlns:a14="http://schemas.microsoft.com/office/drawing/2010/main">
-                <a:solidFill>
-                  <a:srgbClr val="FFFFFF"/>
-                </a:solidFill>
-              </a14:hiddenFill>
-            </a:ext>
-          </a:extLst>
         </p:spPr>
       </p:pic>
       <p:sp>
         <p:nvSpPr>
-          <p:cNvPr id="22" name="吹き出し: 四角形 21">
+          <p:cNvPr id="12" name="フリーフォーム: 図形 11">
             <a:extLst>
               <a:ext uri="{FF2B5EF4-FFF2-40B4-BE49-F238E27FC236}">
-                <a16:creationId xmlns:a16="http://schemas.microsoft.com/office/drawing/2014/main" id="{E091D52A-AB78-1D1B-CC2D-68A0FE78B07C}"/>
+                <a16:creationId xmlns:a16="http://schemas.microsoft.com/office/drawing/2014/main" id="{94928536-4CB3-2E78-0C75-82D56212776D}"/>
               </a:ext>
             </a:extLst>
           </p:cNvPr>
@@ -7228,31 +7176,62 @@
         </p:nvSpPr>
         <p:spPr>
           <a:xfrm>
-            <a:off x="7201323" y="1834764"/>
-            <a:ext cx="1517413" cy="701157"/>
+            <a:off x="1700962" y="2190361"/>
+            <a:ext cx="512064" cy="517290"/>
           </a:xfrm>
-          <a:prstGeom prst="wedgeRectCallout">
-            <a:avLst>
-              <a:gd name="adj1" fmla="val -35961"/>
-              <a:gd name="adj2" fmla="val -69814"/>
-            </a:avLst>
-          </a:prstGeom>
-          <a:solidFill>
-            <a:srgbClr val="FFFFE7"/>
-          </a:solidFill>
-          <a:ln>
+          <a:custGeom>
+            <a:avLst/>
+            <a:gdLst>
+              <a:gd name="connsiteX0" fmla="*/ 0 w 512064"/>
+              <a:gd name="connsiteY0" fmla="*/ 0 h 517290"/>
+              <a:gd name="connsiteX1" fmla="*/ 381436 w 512064"/>
+              <a:gd name="connsiteY1" fmla="*/ 193331 h 517290"/>
+              <a:gd name="connsiteX2" fmla="*/ 512064 w 512064"/>
+              <a:gd name="connsiteY2" fmla="*/ 517290 h 517290"/>
+            </a:gdLst>
+            <a:ahLst/>
+            <a:cxnLst>
+              <a:cxn ang="0">
+                <a:pos x="connsiteX0" y="connsiteY0"/>
+              </a:cxn>
+              <a:cxn ang="0">
+                <a:pos x="connsiteX1" y="connsiteY1"/>
+              </a:cxn>
+              <a:cxn ang="0">
+                <a:pos x="connsiteX2" y="connsiteY2"/>
+              </a:cxn>
+            </a:cxnLst>
+            <a:rect l="l" t="t" r="r" b="b"/>
+            <a:pathLst>
+              <a:path w="512064" h="517290">
+                <a:moveTo>
+                  <a:pt x="0" y="0"/>
+                </a:moveTo>
+                <a:cubicBezTo>
+                  <a:pt x="148046" y="53558"/>
+                  <a:pt x="296092" y="107116"/>
+                  <a:pt x="381436" y="193331"/>
+                </a:cubicBezTo>
+                <a:cubicBezTo>
+                  <a:pt x="466780" y="279546"/>
+                  <a:pt x="489422" y="398418"/>
+                  <a:pt x="512064" y="517290"/>
+                </a:cubicBezTo>
+              </a:path>
+            </a:pathLst>
+          </a:custGeom>
+          <a:noFill/>
+          <a:ln w="22225">
             <a:solidFill>
-              <a:schemeClr val="tx1">
-                <a:lumMod val="50000"/>
-                <a:lumOff val="50000"/>
-              </a:schemeClr>
+              <a:schemeClr val="accent1"/>
             </a:solidFill>
+            <a:tailEnd type="triangle"/>
           </a:ln>
         </p:spPr>
         <p:style>
           <a:lnRef idx="2">
             <a:schemeClr val="accent1">
-              <a:shade val="15000"/>
+              <a:shade val="50000"/>
             </a:schemeClr>
           </a:lnRef>
           <a:fillRef idx="1">
@@ -7269,90 +7248,104 @@
           <a:bodyPr rtlCol="0" anchor="ctr"/>
           <a:lstStyle/>
           <a:p>
-            <a:r>
-              <a:rPr kumimoji="1" lang="ja-JP" altLang="en-US" sz="1200" dirty="0">
-                <a:solidFill>
-                  <a:schemeClr val="tx1"/>
-                </a:solidFill>
-                <a:latin typeface="Arial" panose="020B0604020202020204" pitchFamily="34" charset="0"/>
-                <a:ea typeface="メイリオ" panose="020B0604030504040204" pitchFamily="50" charset="-128"/>
-                <a:cs typeface="Arial" panose="020B0604020202020204" pitchFamily="34" charset="0"/>
-              </a:rPr>
-              <a:t>仕様修正</a:t>
-            </a:r>
-            <a:endParaRPr kumimoji="1" lang="en-US" altLang="ja-JP" sz="1200" dirty="0">
-              <a:solidFill>
-                <a:schemeClr val="tx1"/>
-              </a:solidFill>
-              <a:latin typeface="Arial" panose="020B0604020202020204" pitchFamily="34" charset="0"/>
-              <a:ea typeface="メイリオ" panose="020B0604030504040204" pitchFamily="50" charset="-128"/>
-              <a:cs typeface="Arial" panose="020B0604020202020204" pitchFamily="34" charset="0"/>
-            </a:endParaRPr>
-          </a:p>
-          <a:p>
-            <a:r>
-              <a:rPr kumimoji="1" lang="ja-JP" altLang="en-US" sz="1050" dirty="0">
-                <a:solidFill>
-                  <a:schemeClr val="tx1"/>
-                </a:solidFill>
-                <a:latin typeface="Arial" panose="020B0604020202020204" pitchFamily="34" charset="0"/>
-                <a:ea typeface="メイリオ" panose="020B0604030504040204" pitchFamily="50" charset="-128"/>
-                <a:cs typeface="Arial" panose="020B0604020202020204" pitchFamily="34" charset="0"/>
-              </a:rPr>
-              <a:t>・周辺機器の配線</a:t>
-            </a:r>
-            <a:endParaRPr kumimoji="1" lang="en-US" altLang="ja-JP" sz="1050" dirty="0">
-              <a:solidFill>
-                <a:schemeClr val="tx1"/>
-              </a:solidFill>
-              <a:latin typeface="Arial" panose="020B0604020202020204" pitchFamily="34" charset="0"/>
-              <a:ea typeface="メイリオ" panose="020B0604030504040204" pitchFamily="50" charset="-128"/>
-              <a:cs typeface="Arial" panose="020B0604020202020204" pitchFamily="34" charset="0"/>
-            </a:endParaRPr>
-          </a:p>
-          <a:p>
-            <a:r>
-              <a:rPr kumimoji="1" lang="ja-JP" altLang="en-US" sz="1050" dirty="0">
-                <a:solidFill>
-                  <a:schemeClr val="tx1"/>
-                </a:solidFill>
-                <a:latin typeface="Arial" panose="020B0604020202020204" pitchFamily="34" charset="0"/>
-                <a:ea typeface="メイリオ" panose="020B0604030504040204" pitchFamily="50" charset="-128"/>
-                <a:cs typeface="Arial" panose="020B0604020202020204" pitchFamily="34" charset="0"/>
-              </a:rPr>
-              <a:t>・</a:t>
-            </a:r>
-            <a:r>
-              <a:rPr kumimoji="1" lang="en-US" altLang="ja-JP" sz="1050" dirty="0">
-                <a:solidFill>
-                  <a:schemeClr val="tx1"/>
-                </a:solidFill>
-                <a:latin typeface="Arial" panose="020B0604020202020204" pitchFamily="34" charset="0"/>
-                <a:ea typeface="メイリオ" panose="020B0604030504040204" pitchFamily="50" charset="-128"/>
-                <a:cs typeface="Arial" panose="020B0604020202020204" pitchFamily="34" charset="0"/>
-              </a:rPr>
-              <a:t>MQTT</a:t>
-            </a:r>
-            <a:r>
-              <a:rPr kumimoji="1" lang="ja-JP" altLang="en-US" sz="1050" dirty="0">
-                <a:solidFill>
-                  <a:schemeClr val="tx1"/>
-                </a:solidFill>
-                <a:latin typeface="Arial" panose="020B0604020202020204" pitchFamily="34" charset="0"/>
-                <a:ea typeface="メイリオ" panose="020B0604030504040204" pitchFamily="50" charset="-128"/>
-                <a:cs typeface="Arial" panose="020B0604020202020204" pitchFamily="34" charset="0"/>
-              </a:rPr>
-              <a:t>のパラメータ</a:t>
-            </a:r>
+            <a:pPr algn="ctr"/>
+            <a:endParaRPr kumimoji="1" lang="ja-JP" altLang="en-US"/>
           </a:p>
         </p:txBody>
       </p:sp>
       <p:sp>
         <p:nvSpPr>
-          <p:cNvPr id="23" name="フリーフォーム: 図形 22">
+          <p:cNvPr id="13" name="テキスト ボックス 12">
             <a:extLst>
               <a:ext uri="{FF2B5EF4-FFF2-40B4-BE49-F238E27FC236}">
-                <a16:creationId xmlns:a16="http://schemas.microsoft.com/office/drawing/2014/main" id="{B43C35FF-1D84-18CA-5FE6-5E050E245C1C}"/>
+                <a16:creationId xmlns:a16="http://schemas.microsoft.com/office/drawing/2014/main" id="{B638D235-C973-901E-8CBA-B4F66BD1DE8E}"/>
+              </a:ext>
+            </a:extLst>
+          </p:cNvPr>
+          <p:cNvSpPr txBox="1"/>
+          <p:nvPr/>
+        </p:nvSpPr>
+        <p:spPr>
+          <a:xfrm>
+            <a:off x="1862247" y="2988184"/>
+            <a:ext cx="923651" cy="430887"/>
+          </a:xfrm>
+          <a:prstGeom prst="rect">
+            <a:avLst/>
+          </a:prstGeom>
+          <a:noFill/>
+        </p:spPr>
+        <p:txBody>
+          <a:bodyPr wrap="none" rtlCol="0">
+            <a:spAutoFit/>
+          </a:bodyPr>
+          <a:lstStyle/>
+          <a:p>
+            <a:pPr algn="ctr"/>
+            <a:r>
+              <a:rPr kumimoji="1" lang="ja-JP" altLang="en-US" sz="1100" dirty="0"/>
+              <a:t>仕様定義</a:t>
+            </a:r>
+            <a:endParaRPr kumimoji="1" lang="en-US" altLang="ja-JP" sz="1100" dirty="0"/>
+          </a:p>
+          <a:p>
+            <a:pPr algn="ctr"/>
+            <a:r>
+              <a:rPr kumimoji="1" lang="en-US" altLang="ja-JP" sz="1100" dirty="0"/>
+              <a:t>(</a:t>
+            </a:r>
+            <a:r>
+              <a:rPr kumimoji="1" lang="en-US" altLang="ja-JP" sz="1100" dirty="0" err="1"/>
+              <a:t>yaml</a:t>
+            </a:r>
+            <a:r>
+              <a:rPr kumimoji="1" lang="ja-JP" altLang="en-US" sz="1100" dirty="0"/>
+              <a:t>形式</a:t>
+            </a:r>
+            <a:r>
+              <a:rPr kumimoji="1" lang="en-US" altLang="ja-JP" sz="1100" dirty="0"/>
+              <a:t>)</a:t>
+            </a:r>
+            <a:endParaRPr kumimoji="1" lang="ja-JP" altLang="en-US" sz="1100" dirty="0"/>
+          </a:p>
+        </p:txBody>
+      </p:sp>
+      <p:pic>
+        <p:nvPicPr>
+          <p:cNvPr id="14" name="図 13">
+            <a:extLst>
+              <a:ext uri="{FF2B5EF4-FFF2-40B4-BE49-F238E27FC236}">
+                <a16:creationId xmlns:a16="http://schemas.microsoft.com/office/drawing/2014/main" id="{9D17DF28-9EBA-086B-F7DD-3AB0828A0B9D}"/>
+              </a:ext>
+            </a:extLst>
+          </p:cNvPr>
+          <p:cNvPicPr>
+            <a:picLocks noChangeAspect="1"/>
+          </p:cNvPicPr>
+          <p:nvPr/>
+        </p:nvPicPr>
+        <p:blipFill>
+          <a:blip r:embed="rId5"/>
+          <a:stretch>
+            <a:fillRect/>
+          </a:stretch>
+        </p:blipFill>
+        <p:spPr>
+          <a:xfrm>
+            <a:off x="2982760" y="2169839"/>
+            <a:ext cx="1191301" cy="1361194"/>
+          </a:xfrm>
+          <a:prstGeom prst="rect">
+            <a:avLst/>
+          </a:prstGeom>
+        </p:spPr>
+      </p:pic>
+      <p:sp>
+        <p:nvSpPr>
+          <p:cNvPr id="15" name="フリーフォーム: 図形 14">
+            <a:extLst>
+              <a:ext uri="{FF2B5EF4-FFF2-40B4-BE49-F238E27FC236}">
+                <a16:creationId xmlns:a16="http://schemas.microsoft.com/office/drawing/2014/main" id="{CCC50AD5-8E86-C854-5835-2AADADC43FBD}"/>
               </a:ext>
             </a:extLst>
           </p:cNvPr>
@@ -7361,7 +7354,7 @@
         </p:nvSpPr>
         <p:spPr>
           <a:xfrm flipH="1">
-            <a:off x="6250263" y="1438998"/>
+            <a:off x="2451281" y="2166910"/>
             <a:ext cx="512064" cy="517290"/>
           </a:xfrm>
           <a:custGeom>
@@ -7441,10 +7434,10 @@
       </p:sp>
       <p:sp>
         <p:nvSpPr>
-          <p:cNvPr id="24" name="フリーフォーム: 図形 23">
+          <p:cNvPr id="18" name="矢印: 右 17">
             <a:extLst>
               <a:ext uri="{FF2B5EF4-FFF2-40B4-BE49-F238E27FC236}">
-                <a16:creationId xmlns:a16="http://schemas.microsoft.com/office/drawing/2014/main" id="{596D767D-25C1-2433-D80A-FADC75670F3C}"/>
+                <a16:creationId xmlns:a16="http://schemas.microsoft.com/office/drawing/2014/main" id="{339F5A6E-B76B-00CC-D5E4-FBD6501FE3F6}"/>
               </a:ext>
             </a:extLst>
           </p:cNvPr>
@@ -7452,58 +7445,22 @@
           <p:nvPr/>
         </p:nvSpPr>
         <p:spPr>
-          <a:xfrm flipV="1">
-            <a:off x="6341672" y="1543654"/>
-            <a:ext cx="512064" cy="517290"/>
+          <a:xfrm rot="12376695">
+            <a:off x="2910366" y="1542108"/>
+            <a:ext cx="758328" cy="188725"/>
           </a:xfrm>
-          <a:custGeom>
+          <a:prstGeom prst="rightArrow">
             <a:avLst/>
-            <a:gdLst>
-              <a:gd name="connsiteX0" fmla="*/ 0 w 512064"/>
-              <a:gd name="connsiteY0" fmla="*/ 0 h 517290"/>
-              <a:gd name="connsiteX1" fmla="*/ 381436 w 512064"/>
-              <a:gd name="connsiteY1" fmla="*/ 193331 h 517290"/>
-              <a:gd name="connsiteX2" fmla="*/ 512064 w 512064"/>
-              <a:gd name="connsiteY2" fmla="*/ 517290 h 517290"/>
-            </a:gdLst>
-            <a:ahLst/>
-            <a:cxnLst>
-              <a:cxn ang="0">
-                <a:pos x="connsiteX0" y="connsiteY0"/>
-              </a:cxn>
-              <a:cxn ang="0">
-                <a:pos x="connsiteX1" y="connsiteY1"/>
-              </a:cxn>
-              <a:cxn ang="0">
-                <a:pos x="connsiteX2" y="connsiteY2"/>
-              </a:cxn>
-            </a:cxnLst>
-            <a:rect l="l" t="t" r="r" b="b"/>
-            <a:pathLst>
-              <a:path w="512064" h="517290">
-                <a:moveTo>
-                  <a:pt x="0" y="0"/>
-                </a:moveTo>
-                <a:cubicBezTo>
-                  <a:pt x="148046" y="53558"/>
-                  <a:pt x="296092" y="107116"/>
-                  <a:pt x="381436" y="193331"/>
-                </a:cubicBezTo>
-                <a:cubicBezTo>
-                  <a:pt x="466780" y="279546"/>
-                  <a:pt x="489422" y="398418"/>
-                  <a:pt x="512064" y="517290"/>
-                </a:cubicBezTo>
-              </a:path>
-            </a:pathLst>
-          </a:custGeom>
-          <a:noFill/>
-          <a:ln w="22225">
+          </a:prstGeom>
+          <a:solidFill>
+            <a:srgbClr val="FFFF00"/>
+          </a:solidFill>
+          <a:ln>
             <a:solidFill>
-              <a:schemeClr val="accent1"/>
+              <a:schemeClr val="bg1">
+                <a:lumMod val="75000"/>
+              </a:schemeClr>
             </a:solidFill>
-            <a:headEnd type="triangle"/>
-            <a:tailEnd type="none"/>
           </a:ln>
         </p:spPr>
         <p:style>
@@ -7527,16 +7484,60 @@
           <a:lstStyle/>
           <a:p>
             <a:pPr algn="ctr"/>
-            <a:endParaRPr kumimoji="1" lang="ja-JP" altLang="en-US"/>
+            <a:endParaRPr kumimoji="1" lang="ja-JP" altLang="en-US" dirty="0" err="1">
+              <a:solidFill>
+                <a:schemeClr val="tx1"/>
+              </a:solidFill>
+            </a:endParaRPr>
+          </a:p>
+        </p:txBody>
+      </p:sp>
+      <p:sp>
+        <p:nvSpPr>
+          <p:cNvPr id="19" name="テキスト ボックス 18">
+            <a:extLst>
+              <a:ext uri="{FF2B5EF4-FFF2-40B4-BE49-F238E27FC236}">
+                <a16:creationId xmlns:a16="http://schemas.microsoft.com/office/drawing/2014/main" id="{E61AD480-7F26-8ABC-88DD-0BCA04387ACF}"/>
+              </a:ext>
+            </a:extLst>
+          </p:cNvPr>
+          <p:cNvSpPr txBox="1"/>
+          <p:nvPr/>
+        </p:nvSpPr>
+        <p:spPr>
+          <a:xfrm>
+            <a:off x="3546407" y="1338842"/>
+            <a:ext cx="1107996" cy="276999"/>
+          </a:xfrm>
+          <a:prstGeom prst="rect">
+            <a:avLst/>
+          </a:prstGeom>
+          <a:noFill/>
+        </p:spPr>
+        <p:txBody>
+          <a:bodyPr wrap="none" rtlCol="0">
+            <a:spAutoFit/>
+          </a:bodyPr>
+          <a:lstStyle/>
+          <a:p>
+            <a:pPr algn="l"/>
+            <a:r>
+              <a:rPr kumimoji="1" lang="ja-JP" altLang="en-US" sz="1200" dirty="0">
+                <a:solidFill>
+                  <a:srgbClr val="FF0000"/>
+                </a:solidFill>
+              </a:rPr>
+              <a:t>チェック結果</a:t>
+            </a:r>
           </a:p>
         </p:txBody>
       </p:sp>
       <p:pic>
         <p:nvPicPr>
-          <p:cNvPr id="26" name="図 25" descr="グラフィカル ユーザー インターフェイス, テキスト, アプリケーション, チャットまたはテキスト メッセージ&#10;&#10;自動的に生成された説明">
+          <p:cNvPr id="20" name="図 19" descr="グラフィカル ユーザー インターフェイス, テキスト, アプリケーション, チャットまたはテキスト メッセージ&#10;&#10;自動的に生成された説明">
             <a:extLst>
               <a:ext uri="{FF2B5EF4-FFF2-40B4-BE49-F238E27FC236}">
-                <a16:creationId xmlns:a16="http://schemas.microsoft.com/office/drawing/2014/main" id="{4F1BCC2F-A575-F647-B1FC-E44170A8CCCC}"/>
+                <a16:creationId xmlns:a16="http://schemas.microsoft.com/office/drawing/2014/main" id="{5C38D823-1B9B-7418-6554-5D726D4AC67E}"/>
               </a:ext>
             </a:extLst>
           </p:cNvPr>
@@ -7546,7 +7547,7 @@
           <p:nvPr/>
         </p:nvPicPr>
         <p:blipFill rotWithShape="1">
-          <a:blip r:embed="rId4">
+          <a:blip r:embed="rId6">
             <a:extLst>
               <a:ext uri="{28A0092B-C50C-407E-A947-70E740481C1C}">
                 <a14:useLocalDpi xmlns:a14="http://schemas.microsoft.com/office/drawing/2010/main" val="0"/>
@@ -7558,7 +7559,7 @@
         </p:blipFill>
         <p:spPr>
           <a:xfrm>
-            <a:off x="5553490" y="3376504"/>
+            <a:off x="1803660" y="3753591"/>
             <a:ext cx="1044214" cy="1109251"/>
           </a:xfrm>
           <a:prstGeom prst="rect">
@@ -7568,10 +7569,10 @@
       </p:pic>
       <p:sp>
         <p:nvSpPr>
-          <p:cNvPr id="27" name="テキスト ボックス 26">
+          <p:cNvPr id="21" name="テキスト ボックス 20">
             <a:extLst>
               <a:ext uri="{FF2B5EF4-FFF2-40B4-BE49-F238E27FC236}">
-                <a16:creationId xmlns:a16="http://schemas.microsoft.com/office/drawing/2014/main" id="{3DA9B77F-79AD-A220-D801-E787B3CB44BB}"/>
+                <a16:creationId xmlns:a16="http://schemas.microsoft.com/office/drawing/2014/main" id="{BDAE5122-6ED1-C007-7529-6585C6BF1636}"/>
               </a:ext>
             </a:extLst>
           </p:cNvPr>
@@ -7580,7 +7581,7 @@
         </p:nvSpPr>
         <p:spPr>
           <a:xfrm>
-            <a:off x="6634276" y="3797958"/>
+            <a:off x="496155" y="4327439"/>
             <a:ext cx="1261884" cy="461665"/>
           </a:xfrm>
           <a:prstGeom prst="rect">
@@ -7612,74 +7613,27 @@
       </p:sp>
       <p:cxnSp>
         <p:nvCxnSpPr>
-          <p:cNvPr id="29" name="直線矢印コネクタ 28">
+          <p:cNvPr id="23" name="直線矢印コネクタ 22">
             <a:extLst>
               <a:ext uri="{FF2B5EF4-FFF2-40B4-BE49-F238E27FC236}">
-                <a16:creationId xmlns:a16="http://schemas.microsoft.com/office/drawing/2014/main" id="{183D789B-F60B-F735-E6BB-B92C4C990032}"/>
+                <a16:creationId xmlns:a16="http://schemas.microsoft.com/office/drawing/2014/main" id="{A92CB3CA-381B-9B71-201F-FFAEB287BEE6}"/>
               </a:ext>
             </a:extLst>
           </p:cNvPr>
-          <p:cNvCxnSpPr>
-            <a:cxnSpLocks/>
-            <a:stCxn id="16" idx="2"/>
-          </p:cNvCxnSpPr>
+          <p:cNvCxnSpPr/>
           <p:nvPr/>
         </p:nvCxnSpPr>
         <p:spPr>
-          <a:xfrm flipH="1">
-            <a:off x="6131833" y="2632765"/>
-            <a:ext cx="1" cy="635656"/>
+          <a:xfrm>
+            <a:off x="2348607" y="3345074"/>
+            <a:ext cx="0" cy="371918"/>
           </a:xfrm>
           <a:prstGeom prst="straightConnector1">
             <a:avLst/>
           </a:prstGeom>
           <a:ln w="22225">
             <a:solidFill>
-              <a:schemeClr val="accent1"/>
-            </a:solidFill>
-            <a:tailEnd type="triangle"/>
-          </a:ln>
-        </p:spPr>
-        <p:style>
-          <a:lnRef idx="1">
-            <a:schemeClr val="accent1"/>
-          </a:lnRef>
-          <a:fillRef idx="0">
-            <a:schemeClr val="accent1"/>
-          </a:fillRef>
-          <a:effectRef idx="0">
-            <a:schemeClr val="accent1"/>
-          </a:effectRef>
-          <a:fontRef idx="minor">
-            <a:schemeClr val="tx1"/>
-          </a:fontRef>
-        </p:style>
-      </p:cxnSp>
-      <p:cxnSp>
-        <p:nvCxnSpPr>
-          <p:cNvPr id="31" name="直線矢印コネクタ 30">
-            <a:extLst>
-              <a:ext uri="{FF2B5EF4-FFF2-40B4-BE49-F238E27FC236}">
-                <a16:creationId xmlns:a16="http://schemas.microsoft.com/office/drawing/2014/main" id="{422A5C2F-BC15-7EE0-4DD9-E774994F001E}"/>
-              </a:ext>
-            </a:extLst>
-          </p:cNvPr>
-          <p:cNvCxnSpPr>
-            <a:cxnSpLocks/>
-          </p:cNvCxnSpPr>
-          <p:nvPr/>
-        </p:nvCxnSpPr>
-        <p:spPr>
-          <a:xfrm flipH="1">
-            <a:off x="5013653" y="4029500"/>
-            <a:ext cx="486288" cy="0"/>
-          </a:xfrm>
-          <a:prstGeom prst="straightConnector1">
-            <a:avLst/>
-          </a:prstGeom>
-          <a:ln w="22225">
-            <a:solidFill>
-              <a:schemeClr val="accent1"/>
+              <a:srgbClr val="FF0000"/>
             </a:solidFill>
             <a:tailEnd type="triangle"/>
           </a:ln>
@@ -7701,10 +7655,10 @@
       </p:cxnSp>
       <p:pic>
         <p:nvPicPr>
-          <p:cNvPr id="34" name="図 33" descr="グラフィカル ユーザー インターフェイス, テキスト, アプリケーション&#10;&#10;自動的に生成された説明">
+          <p:cNvPr id="24" name="図 23" descr="グラフィカル ユーザー インターフェイス, テキスト, アプリケーション&#10;&#10;自動的に生成された説明">
             <a:extLst>
               <a:ext uri="{FF2B5EF4-FFF2-40B4-BE49-F238E27FC236}">
-                <a16:creationId xmlns:a16="http://schemas.microsoft.com/office/drawing/2014/main" id="{3577DECF-6E08-0996-C88B-0F4BE2F097C7}"/>
+                <a16:creationId xmlns:a16="http://schemas.microsoft.com/office/drawing/2014/main" id="{B9F35248-E86C-F1DA-3D4B-35EE1ED18E72}"/>
               </a:ext>
             </a:extLst>
           </p:cNvPr>
@@ -7714,7 +7668,7 @@
           <p:nvPr/>
         </p:nvPicPr>
         <p:blipFill>
-          <a:blip r:embed="rId5">
+          <a:blip r:embed="rId7">
             <a:extLst>
               <a:ext uri="{28A0092B-C50C-407E-A947-70E740481C1C}">
                 <a14:useLocalDpi xmlns:a14="http://schemas.microsoft.com/office/drawing/2010/main" val="0"/>
@@ -7727,8 +7681,8 @@
         </p:blipFill>
         <p:spPr>
           <a:xfrm>
-            <a:off x="3060268" y="3373856"/>
-            <a:ext cx="1899836" cy="1309870"/>
+            <a:off x="4058752" y="3972894"/>
+            <a:ext cx="1191301" cy="821359"/>
           </a:xfrm>
           <a:prstGeom prst="rect">
             <a:avLst/>
@@ -7737,371 +7691,10 @@
       </p:pic>
       <p:sp>
         <p:nvSpPr>
-          <p:cNvPr id="35" name="テキスト ボックス 34">
+          <p:cNvPr id="25" name="矢印: 右 24">
             <a:extLst>
               <a:ext uri="{FF2B5EF4-FFF2-40B4-BE49-F238E27FC236}">
-                <a16:creationId xmlns:a16="http://schemas.microsoft.com/office/drawing/2014/main" id="{BE4B11D8-05CF-54E6-8610-B21193C80CD6}"/>
-              </a:ext>
-            </a:extLst>
-          </p:cNvPr>
-          <p:cNvSpPr txBox="1"/>
-          <p:nvPr/>
-        </p:nvSpPr>
-        <p:spPr>
-          <a:xfrm>
-            <a:off x="3138827" y="4714856"/>
-            <a:ext cx="1380506" cy="276999"/>
-          </a:xfrm>
-          <a:prstGeom prst="rect">
-            <a:avLst/>
-          </a:prstGeom>
-          <a:noFill/>
-        </p:spPr>
-        <p:txBody>
-          <a:bodyPr wrap="none" rtlCol="0">
-            <a:spAutoFit/>
-          </a:bodyPr>
-          <a:lstStyle/>
-          <a:p>
-            <a:pPr algn="l"/>
-            <a:r>
-              <a:rPr kumimoji="1" lang="en-US" altLang="ja-JP" sz="1200" dirty="0"/>
-              <a:t>Arduino</a:t>
-            </a:r>
-            <a:r>
-              <a:rPr kumimoji="1" lang="ja-JP" altLang="en-US" sz="1200" dirty="0"/>
-              <a:t>スケッチ</a:t>
-            </a:r>
-          </a:p>
-        </p:txBody>
-      </p:sp>
-      <p:pic>
-        <p:nvPicPr>
-          <p:cNvPr id="1032" name="Picture 8">
-            <a:extLst>
-              <a:ext uri="{FF2B5EF4-FFF2-40B4-BE49-F238E27FC236}">
-                <a16:creationId xmlns:a16="http://schemas.microsoft.com/office/drawing/2014/main" id="{069D5687-416E-F0FD-39FC-04B984EBADE1}"/>
-              </a:ext>
-            </a:extLst>
-          </p:cNvPr>
-          <p:cNvPicPr>
-            <a:picLocks noChangeAspect="1" noChangeArrowheads="1"/>
-          </p:cNvPicPr>
-          <p:nvPr/>
-        </p:nvPicPr>
-        <p:blipFill>
-          <a:blip r:embed="rId6">
-            <a:extLst>
-              <a:ext uri="{28A0092B-C50C-407E-A947-70E740481C1C}">
-                <a14:useLocalDpi xmlns:a14="http://schemas.microsoft.com/office/drawing/2010/main" val="0"/>
-              </a:ext>
-            </a:extLst>
-          </a:blip>
-          <a:srcRect/>
-          <a:stretch>
-            <a:fillRect/>
-          </a:stretch>
-        </p:blipFill>
-        <p:spPr bwMode="auto">
-          <a:xfrm>
-            <a:off x="446958" y="3742976"/>
-            <a:ext cx="606552" cy="606552"/>
-          </a:xfrm>
-          <a:prstGeom prst="rect">
-            <a:avLst/>
-          </a:prstGeom>
-          <a:noFill/>
-          <a:extLst>
-            <a:ext uri="{909E8E84-426E-40DD-AFC4-6F175D3DCCD1}">
-              <a14:hiddenFill xmlns:a14="http://schemas.microsoft.com/office/drawing/2010/main">
-                <a:solidFill>
-                  <a:srgbClr val="FFFFFF"/>
-                </a:solidFill>
-              </a14:hiddenFill>
-            </a:ext>
-          </a:extLst>
-        </p:spPr>
-      </p:pic>
-      <p:sp>
-        <p:nvSpPr>
-          <p:cNvPr id="37" name="テキスト ボックス 36">
-            <a:extLst>
-              <a:ext uri="{FF2B5EF4-FFF2-40B4-BE49-F238E27FC236}">
-                <a16:creationId xmlns:a16="http://schemas.microsoft.com/office/drawing/2014/main" id="{847F8BF3-BB49-D670-F4B4-64D7C422D92F}"/>
-              </a:ext>
-            </a:extLst>
-          </p:cNvPr>
-          <p:cNvSpPr txBox="1"/>
-          <p:nvPr/>
-        </p:nvSpPr>
-        <p:spPr>
-          <a:xfrm>
-            <a:off x="6483677" y="752353"/>
-            <a:ext cx="1415773" cy="276999"/>
-          </a:xfrm>
-          <a:prstGeom prst="rect">
-            <a:avLst/>
-          </a:prstGeom>
-          <a:noFill/>
-        </p:spPr>
-        <p:txBody>
-          <a:bodyPr wrap="none" rtlCol="0">
-            <a:spAutoFit/>
-          </a:bodyPr>
-          <a:lstStyle/>
-          <a:p>
-            <a:pPr algn="ctr"/>
-            <a:r>
-              <a:rPr kumimoji="1" lang="ja-JP" altLang="en-US" sz="1200" dirty="0"/>
-              <a:t>センサ端末開発者</a:t>
-            </a:r>
-          </a:p>
-        </p:txBody>
-      </p:sp>
-      <p:pic>
-        <p:nvPicPr>
-          <p:cNvPr id="38" name="Picture 4">
-            <a:extLst>
-              <a:ext uri="{FF2B5EF4-FFF2-40B4-BE49-F238E27FC236}">
-                <a16:creationId xmlns:a16="http://schemas.microsoft.com/office/drawing/2014/main" id="{F0012037-7263-462D-96B3-A641DB9A6C65}"/>
-              </a:ext>
-            </a:extLst>
-          </p:cNvPr>
-          <p:cNvPicPr>
-            <a:picLocks noChangeAspect="1" noChangeArrowheads="1"/>
-          </p:cNvPicPr>
-          <p:nvPr/>
-        </p:nvPicPr>
-        <p:blipFill>
-          <a:blip r:embed="rId2">
-            <a:extLst>
-              <a:ext uri="{28A0092B-C50C-407E-A947-70E740481C1C}">
-                <a14:useLocalDpi xmlns:a14="http://schemas.microsoft.com/office/drawing/2010/main" val="0"/>
-              </a:ext>
-            </a:extLst>
-          </a:blip>
-          <a:srcRect/>
-          <a:stretch>
-            <a:fillRect/>
-          </a:stretch>
-        </p:blipFill>
-        <p:spPr bwMode="auto">
-          <a:xfrm flipH="1">
-            <a:off x="1602619" y="3610280"/>
-            <a:ext cx="799148" cy="741998"/>
-          </a:xfrm>
-          <a:prstGeom prst="rect">
-            <a:avLst/>
-          </a:prstGeom>
-          <a:noFill/>
-          <a:extLst>
-            <a:ext uri="{909E8E84-426E-40DD-AFC4-6F175D3DCCD1}">
-              <a14:hiddenFill xmlns:a14="http://schemas.microsoft.com/office/drawing/2010/main">
-                <a:solidFill>
-                  <a:srgbClr val="FFFFFF"/>
-                </a:solidFill>
-              </a14:hiddenFill>
-            </a:ext>
-          </a:extLst>
-        </p:spPr>
-      </p:pic>
-      <p:sp>
-        <p:nvSpPr>
-          <p:cNvPr id="39" name="テキスト ボックス 38">
-            <a:extLst>
-              <a:ext uri="{FF2B5EF4-FFF2-40B4-BE49-F238E27FC236}">
-                <a16:creationId xmlns:a16="http://schemas.microsoft.com/office/drawing/2014/main" id="{3CC2237D-DE2A-4912-EC9F-53F2F8A0D855}"/>
-              </a:ext>
-            </a:extLst>
-          </p:cNvPr>
-          <p:cNvSpPr txBox="1"/>
-          <p:nvPr/>
-        </p:nvSpPr>
-        <p:spPr>
-          <a:xfrm>
-            <a:off x="1322508" y="3339209"/>
-            <a:ext cx="1415773" cy="276999"/>
-          </a:xfrm>
-          <a:prstGeom prst="rect">
-            <a:avLst/>
-          </a:prstGeom>
-          <a:noFill/>
-        </p:spPr>
-        <p:txBody>
-          <a:bodyPr wrap="none" rtlCol="0">
-            <a:spAutoFit/>
-          </a:bodyPr>
-          <a:lstStyle/>
-          <a:p>
-            <a:pPr algn="ctr"/>
-            <a:r>
-              <a:rPr kumimoji="1" lang="ja-JP" altLang="en-US" sz="1200" dirty="0"/>
-              <a:t>センサ端末開発者</a:t>
-            </a:r>
-          </a:p>
-        </p:txBody>
-      </p:sp>
-      <p:cxnSp>
-        <p:nvCxnSpPr>
-          <p:cNvPr id="40" name="直線矢印コネクタ 39">
-            <a:extLst>
-              <a:ext uri="{FF2B5EF4-FFF2-40B4-BE49-F238E27FC236}">
-                <a16:creationId xmlns:a16="http://schemas.microsoft.com/office/drawing/2014/main" id="{52BA03B9-97AF-2CEB-4D8E-8219130E73E9}"/>
-              </a:ext>
-            </a:extLst>
-          </p:cNvPr>
-          <p:cNvCxnSpPr>
-            <a:cxnSpLocks/>
-          </p:cNvCxnSpPr>
-          <p:nvPr/>
-        </p:nvCxnSpPr>
-        <p:spPr>
-          <a:xfrm flipH="1">
-            <a:off x="2447333" y="4046252"/>
-            <a:ext cx="486288" cy="0"/>
-          </a:xfrm>
-          <a:prstGeom prst="straightConnector1">
-            <a:avLst/>
-          </a:prstGeom>
-          <a:ln w="22225">
-            <a:solidFill>
-              <a:schemeClr val="accent1"/>
-            </a:solidFill>
-            <a:tailEnd type="triangle"/>
-          </a:ln>
-        </p:spPr>
-        <p:style>
-          <a:lnRef idx="1">
-            <a:schemeClr val="accent1"/>
-          </a:lnRef>
-          <a:fillRef idx="0">
-            <a:schemeClr val="accent1"/>
-          </a:fillRef>
-          <a:effectRef idx="0">
-            <a:schemeClr val="accent1"/>
-          </a:effectRef>
-          <a:fontRef idx="minor">
-            <a:schemeClr val="tx1"/>
-          </a:fontRef>
-        </p:style>
-      </p:cxnSp>
-      <p:cxnSp>
-        <p:nvCxnSpPr>
-          <p:cNvPr id="41" name="直線矢印コネクタ 40">
-            <a:extLst>
-              <a:ext uri="{FF2B5EF4-FFF2-40B4-BE49-F238E27FC236}">
-                <a16:creationId xmlns:a16="http://schemas.microsoft.com/office/drawing/2014/main" id="{3EB16DC8-B4FD-ADF8-36DF-38CC42A4D9F9}"/>
-              </a:ext>
-            </a:extLst>
-          </p:cNvPr>
-          <p:cNvCxnSpPr>
-            <a:cxnSpLocks/>
-          </p:cNvCxnSpPr>
-          <p:nvPr/>
-        </p:nvCxnSpPr>
-        <p:spPr>
-          <a:xfrm flipH="1">
-            <a:off x="1040344" y="4049114"/>
-            <a:ext cx="486288" cy="0"/>
-          </a:xfrm>
-          <a:prstGeom prst="straightConnector1">
-            <a:avLst/>
-          </a:prstGeom>
-          <a:ln w="22225">
-            <a:solidFill>
-              <a:schemeClr val="accent1"/>
-            </a:solidFill>
-            <a:tailEnd type="triangle"/>
-          </a:ln>
-        </p:spPr>
-        <p:style>
-          <a:lnRef idx="1">
-            <a:schemeClr val="accent1"/>
-          </a:lnRef>
-          <a:fillRef idx="0">
-            <a:schemeClr val="accent1"/>
-          </a:fillRef>
-          <a:effectRef idx="0">
-            <a:schemeClr val="accent1"/>
-          </a:effectRef>
-          <a:fontRef idx="minor">
-            <a:schemeClr val="tx1"/>
-          </a:fontRef>
-        </p:style>
-      </p:cxnSp>
-      <p:sp>
-        <p:nvSpPr>
-          <p:cNvPr id="42" name="テキスト ボックス 41">
-            <a:extLst>
-              <a:ext uri="{FF2B5EF4-FFF2-40B4-BE49-F238E27FC236}">
-                <a16:creationId xmlns:a16="http://schemas.microsoft.com/office/drawing/2014/main" id="{1F3D2027-A347-32CB-8485-3EBCDFF387F3}"/>
-              </a:ext>
-            </a:extLst>
-          </p:cNvPr>
-          <p:cNvSpPr txBox="1"/>
-          <p:nvPr/>
-        </p:nvSpPr>
-        <p:spPr>
-          <a:xfrm>
-            <a:off x="329728" y="4343521"/>
-            <a:ext cx="764953" cy="276999"/>
-          </a:xfrm>
-          <a:prstGeom prst="rect">
-            <a:avLst/>
-          </a:prstGeom>
-          <a:noFill/>
-        </p:spPr>
-        <p:txBody>
-          <a:bodyPr wrap="none" rtlCol="0">
-            <a:spAutoFit/>
-          </a:bodyPr>
-          <a:lstStyle/>
-          <a:p>
-            <a:pPr algn="l"/>
-            <a:r>
-              <a:rPr kumimoji="1" lang="en-US" altLang="ja-JP" sz="1200" dirty="0"/>
-              <a:t>Arduino</a:t>
-            </a:r>
-            <a:endParaRPr kumimoji="1" lang="ja-JP" altLang="en-US" sz="1200" dirty="0"/>
-          </a:p>
-        </p:txBody>
-      </p:sp>
-      <p:pic>
-        <p:nvPicPr>
-          <p:cNvPr id="4" name="図 3">
-            <a:extLst>
-              <a:ext uri="{FF2B5EF4-FFF2-40B4-BE49-F238E27FC236}">
-                <a16:creationId xmlns:a16="http://schemas.microsoft.com/office/drawing/2014/main" id="{88593820-4D4E-A661-B9E9-476116237A76}"/>
-              </a:ext>
-            </a:extLst>
-          </p:cNvPr>
-          <p:cNvPicPr>
-            <a:picLocks noChangeAspect="1"/>
-          </p:cNvPicPr>
-          <p:nvPr/>
-        </p:nvPicPr>
-        <p:blipFill>
-          <a:blip r:embed="rId7"/>
-          <a:stretch>
-            <a:fillRect/>
-          </a:stretch>
-        </p:blipFill>
-        <p:spPr>
-          <a:xfrm>
-            <a:off x="1382375" y="1263264"/>
-            <a:ext cx="1441524" cy="1652056"/>
-          </a:xfrm>
-          <a:prstGeom prst="rect">
-            <a:avLst/>
-          </a:prstGeom>
-        </p:spPr>
-      </p:pic>
-      <p:sp>
-        <p:nvSpPr>
-          <p:cNvPr id="10" name="フリーフォーム: 図形 9">
-            <a:extLst>
-              <a:ext uri="{FF2B5EF4-FFF2-40B4-BE49-F238E27FC236}">
-                <a16:creationId xmlns:a16="http://schemas.microsoft.com/office/drawing/2014/main" id="{0A217F20-EAD4-F02D-9BB5-A84E139ADCDC}"/>
+                <a16:creationId xmlns:a16="http://schemas.microsoft.com/office/drawing/2014/main" id="{C3D3F78E-693D-D6C5-4E7A-F6E591057243}"/>
               </a:ext>
             </a:extLst>
           </p:cNvPr>
@@ -8110,56 +7703,21 @@
         </p:nvSpPr>
         <p:spPr>
           <a:xfrm>
-            <a:off x="2738281" y="1437674"/>
-            <a:ext cx="512064" cy="517290"/>
+            <a:off x="2882827" y="4327438"/>
+            <a:ext cx="1081322" cy="209838"/>
           </a:xfrm>
-          <a:custGeom>
+          <a:prstGeom prst="rightArrow">
             <a:avLst/>
-            <a:gdLst>
-              <a:gd name="connsiteX0" fmla="*/ 0 w 512064"/>
-              <a:gd name="connsiteY0" fmla="*/ 0 h 517290"/>
-              <a:gd name="connsiteX1" fmla="*/ 381436 w 512064"/>
-              <a:gd name="connsiteY1" fmla="*/ 193331 h 517290"/>
-              <a:gd name="connsiteX2" fmla="*/ 512064 w 512064"/>
-              <a:gd name="connsiteY2" fmla="*/ 517290 h 517290"/>
-            </a:gdLst>
-            <a:ahLst/>
-            <a:cxnLst>
-              <a:cxn ang="0">
-                <a:pos x="connsiteX0" y="connsiteY0"/>
-              </a:cxn>
-              <a:cxn ang="0">
-                <a:pos x="connsiteX1" y="connsiteY1"/>
-              </a:cxn>
-              <a:cxn ang="0">
-                <a:pos x="connsiteX2" y="connsiteY2"/>
-              </a:cxn>
-            </a:cxnLst>
-            <a:rect l="l" t="t" r="r" b="b"/>
-            <a:pathLst>
-              <a:path w="512064" h="517290">
-                <a:moveTo>
-                  <a:pt x="0" y="0"/>
-                </a:moveTo>
-                <a:cubicBezTo>
-                  <a:pt x="148046" y="53558"/>
-                  <a:pt x="296092" y="107116"/>
-                  <a:pt x="381436" y="193331"/>
-                </a:cubicBezTo>
-                <a:cubicBezTo>
-                  <a:pt x="466780" y="279546"/>
-                  <a:pt x="489422" y="398418"/>
-                  <a:pt x="512064" y="517290"/>
-                </a:cubicBezTo>
-              </a:path>
-            </a:pathLst>
-          </a:custGeom>
-          <a:noFill/>
-          <a:ln w="22225">
+          </a:prstGeom>
+          <a:solidFill>
+            <a:srgbClr val="FFFF00"/>
+          </a:solidFill>
+          <a:ln>
             <a:solidFill>
-              <a:schemeClr val="accent1"/>
+              <a:schemeClr val="bg1">
+                <a:lumMod val="75000"/>
+              </a:schemeClr>
             </a:solidFill>
-            <a:tailEnd type="triangle"/>
           </a:ln>
         </p:spPr>
         <p:style>
@@ -8183,16 +7741,20 @@
           <a:lstStyle/>
           <a:p>
             <a:pPr algn="ctr"/>
-            <a:endParaRPr kumimoji="1" lang="ja-JP" altLang="en-US"/>
+            <a:endParaRPr kumimoji="1" lang="ja-JP" altLang="en-US" dirty="0" err="1">
+              <a:solidFill>
+                <a:schemeClr val="tx1"/>
+              </a:solidFill>
+            </a:endParaRPr>
           </a:p>
         </p:txBody>
       </p:sp>
       <p:sp>
         <p:nvSpPr>
-          <p:cNvPr id="5" name="テキスト ボックス 4">
+          <p:cNvPr id="26" name="テキスト ボックス 25">
             <a:extLst>
               <a:ext uri="{FF2B5EF4-FFF2-40B4-BE49-F238E27FC236}">
-                <a16:creationId xmlns:a16="http://schemas.microsoft.com/office/drawing/2014/main" id="{D4C6BF37-05F2-9B96-930B-2004C805D081}"/>
+                <a16:creationId xmlns:a16="http://schemas.microsoft.com/office/drawing/2014/main" id="{8765822B-C649-6683-D44E-C7F0DB7070AF}"/>
               </a:ext>
             </a:extLst>
           </p:cNvPr>
@@ -8201,8 +7763,8 @@
         </p:nvSpPr>
         <p:spPr>
           <a:xfrm>
-            <a:off x="2905403" y="2320477"/>
-            <a:ext cx="748923" cy="430887"/>
+            <a:off x="3964149" y="3705076"/>
+            <a:ext cx="1380506" cy="276999"/>
           </a:xfrm>
           <a:prstGeom prst="rect">
             <a:avLst/>
@@ -8215,58 +7777,148 @@
           </a:bodyPr>
           <a:lstStyle/>
           <a:p>
-            <a:pPr algn="ctr"/>
-            <a:r>
-              <a:rPr kumimoji="1" lang="ja-JP" altLang="en-US" sz="1100" dirty="0"/>
-              <a:t>仕様定義</a:t>
-            </a:r>
-            <a:endParaRPr kumimoji="1" lang="en-US" altLang="ja-JP" sz="1100" dirty="0"/>
-          </a:p>
-          <a:p>
-            <a:pPr algn="ctr"/>
-            <a:r>
-              <a:rPr kumimoji="1" lang="ja-JP" altLang="en-US" sz="1100" dirty="0"/>
-              <a:t>ファイル</a:t>
+            <a:pPr algn="l"/>
+            <a:r>
+              <a:rPr kumimoji="1" lang="en-US" altLang="ja-JP" sz="1200" dirty="0"/>
+              <a:t>Arduino</a:t>
+            </a:r>
+            <a:r>
+              <a:rPr kumimoji="1" lang="ja-JP" altLang="en-US" sz="1200" dirty="0"/>
+              <a:t>スケッチ</a:t>
+            </a:r>
+          </a:p>
+        </p:txBody>
+      </p:sp>
+      <p:sp>
+        <p:nvSpPr>
+          <p:cNvPr id="27" name="テキスト ボックス 26">
+            <a:extLst>
+              <a:ext uri="{FF2B5EF4-FFF2-40B4-BE49-F238E27FC236}">
+                <a16:creationId xmlns:a16="http://schemas.microsoft.com/office/drawing/2014/main" id="{F4AB650F-84E8-8A50-52B2-31289DD709BA}"/>
+              </a:ext>
+            </a:extLst>
+          </p:cNvPr>
+          <p:cNvSpPr txBox="1"/>
+          <p:nvPr/>
+        </p:nvSpPr>
+        <p:spPr>
+          <a:xfrm>
+            <a:off x="3177266" y="4106574"/>
+            <a:ext cx="492443" cy="276999"/>
+          </a:xfrm>
+          <a:prstGeom prst="rect">
+            <a:avLst/>
+          </a:prstGeom>
+          <a:noFill/>
+        </p:spPr>
+        <p:txBody>
+          <a:bodyPr wrap="none" rtlCol="0">
+            <a:spAutoFit/>
+          </a:bodyPr>
+          <a:lstStyle/>
+          <a:p>
+            <a:pPr algn="l"/>
+            <a:r>
+              <a:rPr kumimoji="1" lang="ja-JP" altLang="en-US" sz="1200" dirty="0">
+                <a:solidFill>
+                  <a:srgbClr val="FF0000"/>
+                </a:solidFill>
+              </a:rPr>
+              <a:t>生成</a:t>
             </a:r>
           </a:p>
         </p:txBody>
       </p:sp>
       <p:pic>
         <p:nvPicPr>
-          <p:cNvPr id="19" name="図 18">
+          <p:cNvPr id="28" name="Picture 8">
             <a:extLst>
               <a:ext uri="{FF2B5EF4-FFF2-40B4-BE49-F238E27FC236}">
-                <a16:creationId xmlns:a16="http://schemas.microsoft.com/office/drawing/2014/main" id="{5EF08510-31C3-972D-7B00-76D74BBC0D71}"/>
+                <a16:creationId xmlns:a16="http://schemas.microsoft.com/office/drawing/2014/main" id="{72B19C0C-9E43-5FC8-5741-FF0CA588783C}"/>
               </a:ext>
             </a:extLst>
           </p:cNvPr>
           <p:cNvPicPr>
-            <a:picLocks noChangeAspect="1"/>
+            <a:picLocks noChangeAspect="1" noChangeArrowheads="1"/>
           </p:cNvPicPr>
           <p:nvPr/>
         </p:nvPicPr>
         <p:blipFill>
-          <a:blip r:embed="rId8"/>
+          <a:blip r:embed="rId8">
+            <a:extLst>
+              <a:ext uri="{28A0092B-C50C-407E-A947-70E740481C1C}">
+                <a14:useLocalDpi xmlns:a14="http://schemas.microsoft.com/office/drawing/2010/main" val="0"/>
+              </a:ext>
+            </a:extLst>
+          </a:blip>
+          <a:srcRect/>
           <a:stretch>
             <a:fillRect/>
           </a:stretch>
         </p:blipFill>
-        <p:spPr>
+        <p:spPr bwMode="auto">
           <a:xfrm>
-            <a:off x="4084503" y="1206841"/>
-            <a:ext cx="1386081" cy="1583752"/>
+            <a:off x="6733788" y="3982075"/>
+            <a:ext cx="606552" cy="606552"/>
           </a:xfrm>
           <a:prstGeom prst="rect">
             <a:avLst/>
           </a:prstGeom>
+          <a:noFill/>
+          <a:extLst>
+            <a:ext uri="{909E8E84-426E-40DD-AFC4-6F175D3DCCD1}">
+              <a14:hiddenFill xmlns:a14="http://schemas.microsoft.com/office/drawing/2010/main">
+                <a:solidFill>
+                  <a:srgbClr val="FFFFFF"/>
+                </a:solidFill>
+              </a14:hiddenFill>
+            </a:ext>
+          </a:extLst>
         </p:spPr>
       </p:pic>
       <p:sp>
         <p:nvSpPr>
-          <p:cNvPr id="25" name="フリーフォーム: 図形 24">
+          <p:cNvPr id="29" name="テキスト ボックス 28">
             <a:extLst>
               <a:ext uri="{FF2B5EF4-FFF2-40B4-BE49-F238E27FC236}">
-                <a16:creationId xmlns:a16="http://schemas.microsoft.com/office/drawing/2014/main" id="{E9F71B02-2CD3-0FC6-BE19-B6B29CFC1587}"/>
+                <a16:creationId xmlns:a16="http://schemas.microsoft.com/office/drawing/2014/main" id="{A17DDCCC-F09D-D4A1-AC23-DDBFD251E877}"/>
+              </a:ext>
+            </a:extLst>
+          </p:cNvPr>
+          <p:cNvSpPr txBox="1"/>
+          <p:nvPr/>
+        </p:nvSpPr>
+        <p:spPr>
+          <a:xfrm>
+            <a:off x="6676214" y="4547323"/>
+            <a:ext cx="764953" cy="276999"/>
+          </a:xfrm>
+          <a:prstGeom prst="rect">
+            <a:avLst/>
+          </a:prstGeom>
+          <a:noFill/>
+        </p:spPr>
+        <p:txBody>
+          <a:bodyPr wrap="none" rtlCol="0">
+            <a:spAutoFit/>
+          </a:bodyPr>
+          <a:lstStyle/>
+          <a:p>
+            <a:pPr algn="l"/>
+            <a:r>
+              <a:rPr kumimoji="1" lang="en-US" altLang="ja-JP" sz="1200" dirty="0"/>
+              <a:t>Arduino</a:t>
+            </a:r>
+            <a:endParaRPr kumimoji="1" lang="ja-JP" altLang="en-US" sz="1200" dirty="0"/>
+          </a:p>
+        </p:txBody>
+      </p:sp>
+      <p:sp>
+        <p:nvSpPr>
+          <p:cNvPr id="30" name="矢印: 右 29">
+            <a:extLst>
+              <a:ext uri="{FF2B5EF4-FFF2-40B4-BE49-F238E27FC236}">
+                <a16:creationId xmlns:a16="http://schemas.microsoft.com/office/drawing/2014/main" id="{CC9D2FE7-5ED0-D85E-8180-CB223295EC1A}"/>
               </a:ext>
             </a:extLst>
           </p:cNvPr>
@@ -8274,58 +7926,22 @@
           <p:nvPr/>
         </p:nvSpPr>
         <p:spPr>
-          <a:xfrm flipH="1">
-            <a:off x="3488600" y="1414223"/>
-            <a:ext cx="512064" cy="517290"/>
+          <a:xfrm>
+            <a:off x="5344146" y="4311008"/>
+            <a:ext cx="1380506" cy="226268"/>
           </a:xfrm>
-          <a:custGeom>
+          <a:prstGeom prst="rightArrow">
             <a:avLst/>
-            <a:gdLst>
-              <a:gd name="connsiteX0" fmla="*/ 0 w 512064"/>
-              <a:gd name="connsiteY0" fmla="*/ 0 h 517290"/>
-              <a:gd name="connsiteX1" fmla="*/ 381436 w 512064"/>
-              <a:gd name="connsiteY1" fmla="*/ 193331 h 517290"/>
-              <a:gd name="connsiteX2" fmla="*/ 512064 w 512064"/>
-              <a:gd name="connsiteY2" fmla="*/ 517290 h 517290"/>
-            </a:gdLst>
-            <a:ahLst/>
-            <a:cxnLst>
-              <a:cxn ang="0">
-                <a:pos x="connsiteX0" y="connsiteY0"/>
-              </a:cxn>
-              <a:cxn ang="0">
-                <a:pos x="connsiteX1" y="connsiteY1"/>
-              </a:cxn>
-              <a:cxn ang="0">
-                <a:pos x="connsiteX2" y="connsiteY2"/>
-              </a:cxn>
-            </a:cxnLst>
-            <a:rect l="l" t="t" r="r" b="b"/>
-            <a:pathLst>
-              <a:path w="512064" h="517290">
-                <a:moveTo>
-                  <a:pt x="0" y="0"/>
-                </a:moveTo>
-                <a:cubicBezTo>
-                  <a:pt x="148046" y="53558"/>
-                  <a:pt x="296092" y="107116"/>
-                  <a:pt x="381436" y="193331"/>
-                </a:cubicBezTo>
-                <a:cubicBezTo>
-                  <a:pt x="466780" y="279546"/>
-                  <a:pt x="489422" y="398418"/>
-                  <a:pt x="512064" y="517290"/>
-                </a:cubicBezTo>
-              </a:path>
-            </a:pathLst>
-          </a:custGeom>
-          <a:noFill/>
-          <a:ln w="22225">
+          </a:prstGeom>
+          <a:solidFill>
+            <a:srgbClr val="FFFF00"/>
+          </a:solidFill>
+          <a:ln>
             <a:solidFill>
-              <a:schemeClr val="accent1"/>
+              <a:schemeClr val="bg1">
+                <a:lumMod val="75000"/>
+              </a:schemeClr>
             </a:solidFill>
-            <a:headEnd type="triangle"/>
-            <a:tailEnd type="none"/>
           </a:ln>
         </p:spPr>
         <p:style>
@@ -8349,105 +7965,58 @@
           <a:lstStyle/>
           <a:p>
             <a:pPr algn="ctr"/>
-            <a:endParaRPr kumimoji="1" lang="ja-JP" altLang="en-US"/>
+            <a:endParaRPr kumimoji="1" lang="ja-JP" altLang="en-US" dirty="0" err="1">
+              <a:solidFill>
+                <a:schemeClr val="tx1"/>
+              </a:solidFill>
+            </a:endParaRPr>
           </a:p>
         </p:txBody>
       </p:sp>
       <p:sp>
         <p:nvSpPr>
-          <p:cNvPr id="28" name="フリーフォーム: 図形 27">
+          <p:cNvPr id="31" name="テキスト ボックス 30">
             <a:extLst>
               <a:ext uri="{FF2B5EF4-FFF2-40B4-BE49-F238E27FC236}">
-                <a16:creationId xmlns:a16="http://schemas.microsoft.com/office/drawing/2014/main" id="{315C8F73-49BB-1BDB-A699-545ACC361023}"/>
+                <a16:creationId xmlns:a16="http://schemas.microsoft.com/office/drawing/2014/main" id="{569B55DD-5828-84E8-6B4F-85EC3FF0BEC1}"/>
               </a:ext>
             </a:extLst>
           </p:cNvPr>
-          <p:cNvSpPr/>
+          <p:cNvSpPr txBox="1"/>
           <p:nvPr/>
         </p:nvSpPr>
         <p:spPr>
           <a:xfrm>
-            <a:off x="5501340" y="1371902"/>
-            <a:ext cx="512064" cy="517290"/>
+            <a:off x="5456182" y="4106573"/>
+            <a:ext cx="1107996" cy="276999"/>
           </a:xfrm>
-          <a:custGeom>
+          <a:prstGeom prst="rect">
             <a:avLst/>
-            <a:gdLst>
-              <a:gd name="connsiteX0" fmla="*/ 0 w 512064"/>
-              <a:gd name="connsiteY0" fmla="*/ 0 h 517290"/>
-              <a:gd name="connsiteX1" fmla="*/ 381436 w 512064"/>
-              <a:gd name="connsiteY1" fmla="*/ 193331 h 517290"/>
-              <a:gd name="connsiteX2" fmla="*/ 512064 w 512064"/>
-              <a:gd name="connsiteY2" fmla="*/ 517290 h 517290"/>
-            </a:gdLst>
-            <a:ahLst/>
-            <a:cxnLst>
-              <a:cxn ang="0">
-                <a:pos x="connsiteX0" y="connsiteY0"/>
-              </a:cxn>
-              <a:cxn ang="0">
-                <a:pos x="connsiteX1" y="connsiteY1"/>
-              </a:cxn>
-              <a:cxn ang="0">
-                <a:pos x="connsiteX2" y="connsiteY2"/>
-              </a:cxn>
-            </a:cxnLst>
-            <a:rect l="l" t="t" r="r" b="b"/>
-            <a:pathLst>
-              <a:path w="512064" h="517290">
-                <a:moveTo>
-                  <a:pt x="0" y="0"/>
-                </a:moveTo>
-                <a:cubicBezTo>
-                  <a:pt x="148046" y="53558"/>
-                  <a:pt x="296092" y="107116"/>
-                  <a:pt x="381436" y="193331"/>
-                </a:cubicBezTo>
-                <a:cubicBezTo>
-                  <a:pt x="466780" y="279546"/>
-                  <a:pt x="489422" y="398418"/>
-                  <a:pt x="512064" y="517290"/>
-                </a:cubicBezTo>
-              </a:path>
-            </a:pathLst>
-          </a:custGeom>
+          </a:prstGeom>
           <a:noFill/>
-          <a:ln w="22225">
-            <a:solidFill>
-              <a:schemeClr val="accent1"/>
-            </a:solidFill>
-            <a:tailEnd type="triangle"/>
-          </a:ln>
         </p:spPr>
-        <p:style>
-          <a:lnRef idx="2">
-            <a:schemeClr val="accent1">
-              <a:shade val="50000"/>
-            </a:schemeClr>
-          </a:lnRef>
-          <a:fillRef idx="1">
-            <a:schemeClr val="accent1"/>
-          </a:fillRef>
-          <a:effectRef idx="0">
-            <a:schemeClr val="accent1"/>
-          </a:effectRef>
-          <a:fontRef idx="minor">
-            <a:schemeClr val="lt1"/>
-          </a:fontRef>
-        </p:style>
         <p:txBody>
-          <a:bodyPr rtlCol="0" anchor="ctr"/>
+          <a:bodyPr wrap="none" rtlCol="0">
+            <a:spAutoFit/>
+          </a:bodyPr>
           <a:lstStyle/>
           <a:p>
-            <a:pPr algn="ctr"/>
-            <a:endParaRPr kumimoji="1" lang="ja-JP" altLang="en-US"/>
+            <a:pPr algn="l"/>
+            <a:r>
+              <a:rPr kumimoji="1" lang="ja-JP" altLang="en-US" sz="1200" dirty="0">
+                <a:solidFill>
+                  <a:srgbClr val="FF0000"/>
+                </a:solidFill>
+              </a:rPr>
+              <a:t>インストール</a:t>
+            </a:r>
           </a:p>
         </p:txBody>
       </p:sp>
     </p:spTree>
     <p:extLst>
       <p:ext uri="{BB962C8B-B14F-4D97-AF65-F5344CB8AC3E}">
-        <p14:creationId xmlns:p14="http://schemas.microsoft.com/office/powerpoint/2010/main" val="3765560559"/>
+        <p14:creationId xmlns:p14="http://schemas.microsoft.com/office/powerpoint/2010/main" val="3679359922"/>
       </p:ext>
     </p:extLst>
   </p:cSld>
